--- a/Seminarski Rad 3/Milan Stankovic 1407 - Sistemi za upravljanje bazama podataka.pptx
+++ b/Seminarski Rad 3/Milan Stankovic 1407 - Sistemi za upravljanje bazama podataka.pptx
@@ -212,7 +212,7 @@
           <a:p>
             <a:fld id="{4B4576B5-3D64-4131-818B-989C7B34FBD2}" type="datetimeFigureOut">
               <a:rPr lang="en-US" smtClean="0"/>
-              <a:t>22/6/2022</a:t>
+              <a:t>23/6/2022</a:t>
             </a:fld>
             <a:endParaRPr lang="en-US"/>
           </a:p>
@@ -962,7 +962,7 @@
           <a:p>
             <a:fld id="{39ACE046-8B93-441D-9C0D-5135BE4E9CEE}" type="datetime1">
               <a:rPr lang="en-US" smtClean="0"/>
-              <a:t>22/6/2022</a:t>
+              <a:t>23/6/2022</a:t>
             </a:fld>
             <a:endParaRPr lang="en-US"/>
           </a:p>
@@ -1160,7 +1160,7 @@
           <a:p>
             <a:fld id="{EB109436-8FFD-46E1-B124-CCEDA1A2A2B8}" type="datetime1">
               <a:rPr lang="en-US" smtClean="0"/>
-              <a:t>22/6/2022</a:t>
+              <a:t>23/6/2022</a:t>
             </a:fld>
             <a:endParaRPr lang="en-US"/>
           </a:p>
@@ -1368,7 +1368,7 @@
           <a:p>
             <a:fld id="{F409B25A-E170-450E-AF11-58D2D4177B39}" type="datetime1">
               <a:rPr lang="en-US" smtClean="0"/>
-              <a:t>22/6/2022</a:t>
+              <a:t>23/6/2022</a:t>
             </a:fld>
             <a:endParaRPr lang="en-US"/>
           </a:p>
@@ -1566,7 +1566,7 @@
           <a:p>
             <a:fld id="{766F608B-E934-418C-B73D-BC7A4C180616}" type="datetime1">
               <a:rPr lang="en-US" smtClean="0"/>
-              <a:t>22/6/2022</a:t>
+              <a:t>23/6/2022</a:t>
             </a:fld>
             <a:endParaRPr lang="en-US"/>
           </a:p>
@@ -1841,7 +1841,7 @@
           <a:p>
             <a:fld id="{5C15F450-4E08-4610-B3AF-4C23ACE08559}" type="datetime1">
               <a:rPr lang="en-US" smtClean="0"/>
-              <a:t>22/6/2022</a:t>
+              <a:t>23/6/2022</a:t>
             </a:fld>
             <a:endParaRPr lang="en-US"/>
           </a:p>
@@ -2106,7 +2106,7 @@
           <a:p>
             <a:fld id="{808A664D-888C-485A-A757-B72C67D65CC8}" type="datetime1">
               <a:rPr lang="en-US" smtClean="0"/>
-              <a:t>22/6/2022</a:t>
+              <a:t>23/6/2022</a:t>
             </a:fld>
             <a:endParaRPr lang="en-US"/>
           </a:p>
@@ -2518,7 +2518,7 @@
           <a:p>
             <a:fld id="{2F729D86-1BB4-471E-B932-563519751176}" type="datetime1">
               <a:rPr lang="en-US" smtClean="0"/>
-              <a:t>22/6/2022</a:t>
+              <a:t>23/6/2022</a:t>
             </a:fld>
             <a:endParaRPr lang="en-US"/>
           </a:p>
@@ -2659,7 +2659,7 @@
           <a:p>
             <a:fld id="{B8F3DF56-1326-461F-9737-F5B291C187FF}" type="datetime1">
               <a:rPr lang="en-US" smtClean="0"/>
-              <a:t>22/6/2022</a:t>
+              <a:t>23/6/2022</a:t>
             </a:fld>
             <a:endParaRPr lang="en-US"/>
           </a:p>
@@ -2772,7 +2772,7 @@
           <a:p>
             <a:fld id="{72551E60-D955-478B-B995-9969A08C0037}" type="datetime1">
               <a:rPr lang="en-US" smtClean="0"/>
-              <a:t>22/6/2022</a:t>
+              <a:t>23/6/2022</a:t>
             </a:fld>
             <a:endParaRPr lang="en-US"/>
           </a:p>
@@ -3083,7 +3083,7 @@
           <a:p>
             <a:fld id="{1B96B0BA-00CC-4562-A73D-BDF6C94DE02D}" type="datetime1">
               <a:rPr lang="en-US" smtClean="0"/>
-              <a:t>22/6/2022</a:t>
+              <a:t>23/6/2022</a:t>
             </a:fld>
             <a:endParaRPr lang="en-US"/>
           </a:p>
@@ -3371,7 +3371,7 @@
           <a:p>
             <a:fld id="{E458EEE6-7F6E-41A7-8E54-1D9F59091A45}" type="datetime1">
               <a:rPr lang="en-US" smtClean="0"/>
-              <a:t>22/6/2022</a:t>
+              <a:t>23/6/2022</a:t>
             </a:fld>
             <a:endParaRPr lang="en-US"/>
           </a:p>
@@ -3615,7 +3615,7 @@
           <a:p>
             <a:fld id="{24094E82-6905-43C1-9948-02DD354A7AC5}" type="datetime1">
               <a:rPr lang="en-US" smtClean="0"/>
-              <a:t>22/6/2022</a:t>
+              <a:t>23/6/2022</a:t>
             </a:fld>
             <a:endParaRPr lang="en-US"/>
           </a:p>
@@ -5650,7 +5650,7 @@
                             </p:stCondLst>
                             <p:childTnLst>
                               <p:par>
-                                <p:cTn id="13" presetID="1" presetClass="entr" presetSubtype="0" fill="hold" grpId="0" nodeType="clickEffect">
+                                <p:cTn id="13" presetID="1" presetClass="entr" presetSubtype="0" fill="hold" nodeType="clickEffect">
                                   <p:stCondLst>
                                     <p:cond delay="0"/>
                                   </p:stCondLst>
@@ -5663,7 +5663,7 @@
                                           </p:stCondLst>
                                         </p:cTn>
                                         <p:tgtEl>
-                                          <p:spTgt spid="14"/>
+                                          <p:spTgt spid="10"/>
                                         </p:tgtEl>
                                         <p:attrNameLst>
                                           <p:attrName>style.visibility</p:attrName>
@@ -5695,7 +5695,7 @@
                             </p:stCondLst>
                             <p:childTnLst>
                               <p:par>
-                                <p:cTn id="17" presetID="1" presetClass="entr" presetSubtype="0" fill="hold" nodeType="clickEffect">
+                                <p:cTn id="17" presetID="1" presetClass="entr" presetSubtype="0" fill="hold" grpId="0" nodeType="clickEffect">
                                   <p:stCondLst>
                                     <p:cond delay="0"/>
                                   </p:stCondLst>
@@ -5708,7 +5708,7 @@
                                           </p:stCondLst>
                                         </p:cTn>
                                         <p:tgtEl>
-                                          <p:spTgt spid="10"/>
+                                          <p:spTgt spid="14"/>
                                         </p:tgtEl>
                                         <p:attrNameLst>
                                           <p:attrName>style.visibility</p:attrName>
@@ -5991,13 +5991,13 @@
         </p:nvPicPr>
         <p:blipFill rotWithShape="1">
           <a:blip r:embed="rId3"/>
-          <a:srcRect t="1833" r="17926" b="6846"/>
+          <a:srcRect t="1833" r="17975" b="6846"/>
           <a:stretch/>
         </p:blipFill>
         <p:spPr bwMode="auto">
           <a:xfrm>
             <a:off x="5485132" y="2902450"/>
-            <a:ext cx="6243265" cy="3023870"/>
+            <a:ext cx="6239508" cy="3023870"/>
           </a:xfrm>
           <a:prstGeom prst="rect">
             <a:avLst/>
@@ -8058,7 +8058,7 @@
         <p:spPr>
           <a:xfrm>
             <a:off x="1776272" y="4744368"/>
-            <a:ext cx="3831426" cy="707886"/>
+            <a:ext cx="3831426" cy="1015663"/>
           </a:xfrm>
           <a:prstGeom prst="rect">
             <a:avLst/>
@@ -8076,9 +8076,16 @@
                 <a:latin typeface="Arial" panose="020B0604020202020204" pitchFamily="34" charset="0"/>
                 <a:cs typeface="Arial" panose="020B0604020202020204" pitchFamily="34" charset="0"/>
               </a:rPr>
-              <a:t>MySQL EE podržava enkripciju podataka u bazi.</a:t>
-            </a:r>
-            <a:endParaRPr lang="en-US" sz="2000" dirty="0">
+              <a:t>Veoma je konkurentna sa ostalim cloud provajderima (AWS, Google cloud, … itd.)</a:t>
+            </a:r>
+            <a:r>
+              <a:rPr lang="en-US" sz="2000" dirty="0">
+                <a:latin typeface="Arial" panose="020B0604020202020204" pitchFamily="34" charset="0"/>
+                <a:cs typeface="Arial" panose="020B0604020202020204" pitchFamily="34" charset="0"/>
+              </a:rPr>
+              <a:t>.</a:t>
+            </a:r>
+            <a:endParaRPr lang="sr-Latn-RS" sz="2000" dirty="0">
               <a:latin typeface="Arial" panose="020B0604020202020204" pitchFamily="34" charset="0"/>
               <a:cs typeface="Arial" panose="020B0604020202020204" pitchFamily="34" charset="0"/>
             </a:endParaRPr>
@@ -10082,7 +10089,35 @@
                 <a:latin typeface="Arial" panose="020B0604020202020204" pitchFamily="34" charset="0"/>
                 <a:cs typeface="Arial" panose="020B0604020202020204" pitchFamily="34" charset="0"/>
               </a:rPr>
-              <a:t>Poslovanje kompanija je jeftinije i isplativije.</a:t>
+              <a:t>Poslovanje kompanija je</a:t>
+            </a:r>
+            <a:r>
+              <a:rPr lang="en-US" sz="2000" dirty="0">
+                <a:latin typeface="Arial" panose="020B0604020202020204" pitchFamily="34" charset="0"/>
+                <a:cs typeface="Arial" panose="020B0604020202020204" pitchFamily="34" charset="0"/>
+              </a:rPr>
+              <a:t> </a:t>
+            </a:r>
+            <a:r>
+              <a:rPr lang="en-US" sz="2000" dirty="0" err="1">
+                <a:latin typeface="Arial" panose="020B0604020202020204" pitchFamily="34" charset="0"/>
+                <a:cs typeface="Arial" panose="020B0604020202020204" pitchFamily="34" charset="0"/>
+              </a:rPr>
+              <a:t>jednostavnije</a:t>
+            </a:r>
+            <a:r>
+              <a:rPr lang="en-US" sz="2000" dirty="0">
+                <a:latin typeface="Arial" panose="020B0604020202020204" pitchFamily="34" charset="0"/>
+                <a:cs typeface="Arial" panose="020B0604020202020204" pitchFamily="34" charset="0"/>
+              </a:rPr>
+              <a:t>,</a:t>
+            </a:r>
+            <a:r>
+              <a:rPr lang="sr-Latn-RS" sz="2000" dirty="0">
+                <a:latin typeface="Arial" panose="020B0604020202020204" pitchFamily="34" charset="0"/>
+                <a:cs typeface="Arial" panose="020B0604020202020204" pitchFamily="34" charset="0"/>
+              </a:rPr>
+              <a:t> jeftinije i isplativije.</a:t>
             </a:r>
             <a:endParaRPr lang="en-US" sz="2000" dirty="0">
               <a:latin typeface="Arial" panose="020B0604020202020204" pitchFamily="34" charset="0"/>
